--- a/Slide/Slide01.pptx
+++ b/Slide/Slide01.pptx
@@ -4144,6 +4144,13 @@
                 <a:r>
                   <a:rPr/>
                   <a:t>データを適切に可視化する</a:t>
+                </a:r>
+              </a:p>
+              <a:p>
+                <a:pPr lvl="0"/>
+                <a:r>
+                  <a:rPr/>
+                  <a:t>講義資料: https://github.com/tetokawata/JapanLaborMarket</a:t>
                 </a:r>
               </a:p>
             </p:txBody>
